--- a/assets/img/logo/intermediate.pptx
+++ b/assets/img/logo/intermediate.pptx
@@ -3495,6 +3495,10 @@
           <a:prstGeom prst="rect">
             <a:avLst/>
           </a:prstGeom>
+          <a:noFill/>
+          <a:ln>
+            <a:noFill/>
+          </a:ln>
         </p:spPr>
       </p:pic>
       <p:pic>
@@ -3756,8 +3760,8 @@
         </p:blipFill>
         <p:spPr>
           <a:xfrm>
-            <a:off x="1086039" y="975908"/>
-            <a:ext cx="4392387" cy="4354743"/>
+            <a:off x="2832930" y="1837031"/>
+            <a:ext cx="2574380" cy="2552317"/>
           </a:xfrm>
           <a:prstGeom prst="ellipse">
             <a:avLst/>
@@ -3861,10 +3865,10 @@
       </p:grpSpPr>
       <p:pic>
         <p:nvPicPr>
-          <p:cNvPr id="7" name="Picture 6">
-            <a:extLst>
-              <a:ext uri="{FF2B5EF4-FFF2-40B4-BE49-F238E27FC236}">
-                <a16:creationId xmlns:a16="http://schemas.microsoft.com/office/drawing/2014/main" id="{151484CE-2C45-CBAC-D4CA-F48D5A7E65D9}"/>
+          <p:cNvPr id="4" name="Picture 3">
+            <a:extLst>
+              <a:ext uri="{FF2B5EF4-FFF2-40B4-BE49-F238E27FC236}">
+                <a16:creationId xmlns:a16="http://schemas.microsoft.com/office/drawing/2014/main" id="{57024719-952A-68E8-BB2C-CD3600FEB9E6}"/>
               </a:ext>
             </a:extLst>
           </p:cNvPr>
@@ -3881,98 +3885,8 @@
         </p:blipFill>
         <p:spPr>
           <a:xfrm>
-            <a:off x="207515" y="4625698"/>
-            <a:ext cx="6094461" cy="1881739"/>
-          </a:xfrm>
-          <a:prstGeom prst="rect">
-            <a:avLst/>
-          </a:prstGeom>
-        </p:spPr>
-      </p:pic>
-      <p:pic>
-        <p:nvPicPr>
-          <p:cNvPr id="9" name="Picture 8">
-            <a:extLst>
-              <a:ext uri="{FF2B5EF4-FFF2-40B4-BE49-F238E27FC236}">
-                <a16:creationId xmlns:a16="http://schemas.microsoft.com/office/drawing/2014/main" id="{C2E8AE8D-5AAD-65A2-10A1-F199839A154A}"/>
-              </a:ext>
-            </a:extLst>
-          </p:cNvPr>
-          <p:cNvPicPr>
-            <a:picLocks noChangeAspect="1"/>
-          </p:cNvPicPr>
-          <p:nvPr/>
-        </p:nvPicPr>
-        <p:blipFill>
-          <a:blip r:embed="rId3"/>
-          <a:stretch>
-            <a:fillRect/>
-          </a:stretch>
-        </p:blipFill>
-        <p:spPr>
-          <a:xfrm>
-            <a:off x="349747" y="6081164"/>
-            <a:ext cx="3451678" cy="1309257"/>
-          </a:xfrm>
-          <a:prstGeom prst="rect">
-            <a:avLst/>
-          </a:prstGeom>
-        </p:spPr>
-      </p:pic>
-      <p:pic>
-        <p:nvPicPr>
-          <p:cNvPr id="6" name="Picture 5">
-            <a:extLst>
-              <a:ext uri="{FF2B5EF4-FFF2-40B4-BE49-F238E27FC236}">
-                <a16:creationId xmlns:a16="http://schemas.microsoft.com/office/drawing/2014/main" id="{242959B6-9E3A-1576-7E66-D7D47C259C53}"/>
-              </a:ext>
-            </a:extLst>
-          </p:cNvPr>
-          <p:cNvPicPr>
-            <a:picLocks noChangeAspect="1"/>
-          </p:cNvPicPr>
-          <p:nvPr/>
-        </p:nvPicPr>
-        <p:blipFill>
-          <a:blip r:embed="rId4"/>
-          <a:stretch>
-            <a:fillRect/>
-          </a:stretch>
-        </p:blipFill>
-        <p:spPr>
-          <a:xfrm rot="20671658">
-            <a:off x="434200" y="2164338"/>
-            <a:ext cx="2971449" cy="2103117"/>
-          </a:xfrm>
-          <a:prstGeom prst="rect">
-            <a:avLst/>
-          </a:prstGeom>
-        </p:spPr>
-      </p:pic>
-      <p:pic>
-        <p:nvPicPr>
-          <p:cNvPr id="3" name="Picture 2">
-            <a:extLst>
-              <a:ext uri="{FF2B5EF4-FFF2-40B4-BE49-F238E27FC236}">
-                <a16:creationId xmlns:a16="http://schemas.microsoft.com/office/drawing/2014/main" id="{644F7BA0-C0A3-BD95-A27F-A651C3C80B45}"/>
-              </a:ext>
-            </a:extLst>
-          </p:cNvPr>
-          <p:cNvPicPr>
-            <a:picLocks noChangeAspect="1"/>
-          </p:cNvPicPr>
-          <p:nvPr/>
-        </p:nvPicPr>
-        <p:blipFill>
-          <a:blip r:embed="rId5"/>
-          <a:stretch>
-            <a:fillRect/>
-          </a:stretch>
-        </p:blipFill>
-        <p:spPr>
-          <a:xfrm rot="1222857">
-            <a:off x="2650278" y="2967440"/>
-            <a:ext cx="3012997" cy="2132523"/>
+            <a:off x="3727450" y="1752600"/>
+            <a:ext cx="4737100" cy="3352800"/>
           </a:xfrm>
           <a:prstGeom prst="rect">
             <a:avLst/>
